--- a/2023_기업솔루션_프로젝트_보고서_4-1조_최종.pptx
+++ b/2023_기업솔루션_프로젝트_보고서_4-1조_최종.pptx
@@ -7101,7 +7101,7 @@
           <p:nvPr>
             <p:extLst>
               <p:ext uri="{D42A27DB-BD31-4B8C-83A1-F6EECF244321}">
-                <p14:modId xmlns:p14="http://schemas.microsoft.com/office/powerpoint/2010/main" val="497139962"/>
+                <p14:modId xmlns:p14="http://schemas.microsoft.com/office/powerpoint/2010/main" val="1695375021"/>
               </p:ext>
             </p:extLst>
           </p:nvPr>
@@ -8583,29 +8583,30 @@
                     <a:p>
                       <a:pPr algn="ctr" latinLnBrk="1"/>
                       <a:r>
-                        <a:rPr lang="ko-KR" altLang="en-US" sz="1600" dirty="0">
+                        <a:rPr lang="en-US" altLang="ko-KR" sz="1600" dirty="0" err="1" smtClean="0">
                           <a:latin typeface="맑은 고딕" panose="020B0503020000020004" pitchFamily="50" charset="-127"/>
                           <a:ea typeface="맑은 고딕" panose="020B0503020000020004" pitchFamily="50" charset="-127"/>
                         </a:rPr>
-                        <a:t>프로젝트 문서</a:t>
+                        <a:t>Github</a:t>
                       </a:r>
-                      <a:r>
-                        <a:rPr lang="en-US" altLang="ko-KR" sz="1600" dirty="0">
-                          <a:latin typeface="맑은 고딕" panose="020B0503020000020004" pitchFamily="50" charset="-127"/>
-                          <a:ea typeface="맑은 고딕" panose="020B0503020000020004" pitchFamily="50" charset="-127"/>
-                        </a:rPr>
-                        <a:t>, </a:t>
-                      </a:r>
+                      <a:endParaRPr lang="en-US" altLang="ko-KR" sz="1600" dirty="0" smtClean="0">
+                        <a:latin typeface="맑은 고딕" panose="020B0503020000020004" pitchFamily="50" charset="-127"/>
+                        <a:ea typeface="맑은 고딕" panose="020B0503020000020004" pitchFamily="50" charset="-127"/>
+                      </a:endParaRPr>
                     </a:p>
                     <a:p>
                       <a:pPr algn="ctr" latinLnBrk="1"/>
                       <a:r>
-                        <a:rPr lang="ko-KR" altLang="en-US" sz="1600" dirty="0">
+                        <a:rPr lang="en-US" altLang="ko-KR" sz="1600" smtClean="0">
                           <a:latin typeface="맑은 고딕" panose="020B0503020000020004" pitchFamily="50" charset="-127"/>
                           <a:ea typeface="맑은 고딕" panose="020B0503020000020004" pitchFamily="50" charset="-127"/>
                         </a:rPr>
-                        <a:t>사용자 숙지 기능 설명서</a:t>
+                        <a:t>README.md</a:t>
                       </a:r>
+                      <a:endParaRPr lang="ko-KR" altLang="en-US" sz="1600" dirty="0">
+                        <a:latin typeface="맑은 고딕" panose="020B0503020000020004" pitchFamily="50" charset="-127"/>
+                        <a:ea typeface="맑은 고딕" panose="020B0503020000020004" pitchFamily="50" charset="-127"/>
+                      </a:endParaRPr>
                     </a:p>
                   </a:txBody>
                   <a:tcPr anchor="ctr">
@@ -8670,12 +8671,37 @@
                         <a:defRPr/>
                       </a:pPr>
                       <a:r>
-                        <a:rPr lang="ko-KR" altLang="en-US" sz="1600" dirty="0">
+                        <a:rPr lang="en-US" altLang="ko-KR" sz="1600" dirty="0" smtClean="0">
                           <a:latin typeface="맑은 고딕" panose="020B0503020000020004" pitchFamily="50" charset="-127"/>
                           <a:ea typeface="맑은 고딕" panose="020B0503020000020004" pitchFamily="50" charset="-127"/>
                         </a:rPr>
-                        <a:t>월 일</a:t>
+                        <a:t>12</a:t>
                       </a:r>
+                      <a:r>
+                        <a:rPr lang="ko-KR" altLang="en-US" sz="1600" dirty="0" smtClean="0">
+                          <a:latin typeface="맑은 고딕" panose="020B0503020000020004" pitchFamily="50" charset="-127"/>
+                          <a:ea typeface="맑은 고딕" panose="020B0503020000020004" pitchFamily="50" charset="-127"/>
+                        </a:rPr>
+                        <a:t>월 </a:t>
+                      </a:r>
+                      <a:r>
+                        <a:rPr lang="en-US" altLang="ko-KR" sz="1600" dirty="0" smtClean="0">
+                          <a:latin typeface="맑은 고딕" panose="020B0503020000020004" pitchFamily="50" charset="-127"/>
+                          <a:ea typeface="맑은 고딕" panose="020B0503020000020004" pitchFamily="50" charset="-127"/>
+                        </a:rPr>
+                        <a:t>12</a:t>
+                      </a:r>
+                      <a:r>
+                        <a:rPr lang="ko-KR" altLang="en-US" sz="1600" dirty="0" smtClean="0">
+                          <a:latin typeface="맑은 고딕" panose="020B0503020000020004" pitchFamily="50" charset="-127"/>
+                          <a:ea typeface="맑은 고딕" panose="020B0503020000020004" pitchFamily="50" charset="-127"/>
+                        </a:rPr>
+                        <a:t>일</a:t>
+                      </a:r>
+                      <a:endParaRPr lang="ko-KR" altLang="en-US" sz="1600" dirty="0">
+                        <a:latin typeface="맑은 고딕" panose="020B0503020000020004" pitchFamily="50" charset="-127"/>
+                        <a:ea typeface="맑은 고딕" panose="020B0503020000020004" pitchFamily="50" charset="-127"/>
+                      </a:endParaRPr>
                     </a:p>
                   </a:txBody>
                   <a:tcPr anchor="ctr">
@@ -8728,7 +8754,14 @@
                           <a:latin typeface="맑은 고딕" panose="020B0503020000020004" pitchFamily="50" charset="-127"/>
                           <a:ea typeface="맑은 고딕" panose="020B0503020000020004" pitchFamily="50" charset="-127"/>
                         </a:rPr>
-                        <a:t>링크 주소</a:t>
+                        <a:t>링크 </a:t>
+                      </a:r>
+                      <a:r>
+                        <a:rPr lang="ko-KR" altLang="en-US" sz="1600" dirty="0" smtClean="0">
+                          <a:latin typeface="맑은 고딕" panose="020B0503020000020004" pitchFamily="50" charset="-127"/>
+                          <a:ea typeface="맑은 고딕" panose="020B0503020000020004" pitchFamily="50" charset="-127"/>
+                        </a:rPr>
+                        <a:t>주소</a:t>
                       </a:r>
                       <a:endParaRPr lang="ko-KR" altLang="en-US" sz="1600" dirty="0">
                         <a:latin typeface="맑은 고딕" panose="020B0503020000020004" pitchFamily="50" charset="-127"/>
@@ -8785,6 +8818,68 @@
           </a:graphicData>
         </a:graphic>
       </p:graphicFrame>
+      <p:sp>
+        <p:nvSpPr>
+          <p:cNvPr id="3" name="TextBox 2"/>
+          <p:cNvSpPr txBox="1"/>
+          <p:nvPr/>
+        </p:nvSpPr>
+        <p:spPr>
+          <a:xfrm>
+            <a:off x="1855056" y="5486400"/>
+            <a:ext cx="8980359" cy="400110"/>
+          </a:xfrm>
+          <a:prstGeom prst="rect">
+            <a:avLst/>
+          </a:prstGeom>
+          <a:noFill/>
+        </p:spPr>
+        <p:txBody>
+          <a:bodyPr wrap="square" rtlCol="0">
+            <a:spAutoFit/>
+          </a:bodyPr>
+          <a:lstStyle/>
+          <a:p>
+            <a:r>
+              <a:rPr lang="ko-KR" altLang="en-US" dirty="0" smtClean="0">
+                <a:latin typeface="맑은 고딕" panose="020B0503020000020004" pitchFamily="50" charset="-127"/>
+                <a:ea typeface="맑은 고딕" panose="020B0503020000020004" pitchFamily="50" charset="-127"/>
+              </a:rPr>
+              <a:t>매뉴얼 및 작품</a:t>
+            </a:r>
+            <a:r>
+              <a:rPr lang="en-US" altLang="ko-KR" dirty="0" smtClean="0">
+                <a:latin typeface="맑은 고딕" panose="020B0503020000020004" pitchFamily="50" charset="-127"/>
+                <a:ea typeface="맑은 고딕" panose="020B0503020000020004" pitchFamily="50" charset="-127"/>
+              </a:rPr>
+              <a:t>:  </a:t>
+            </a:r>
+            <a:r>
+              <a:rPr lang="en-US" altLang="ko-KR" dirty="0">
+                <a:latin typeface="맑은 고딕" panose="020B0503020000020004" pitchFamily="50" charset="-127"/>
+                <a:ea typeface="맑은 고딕" panose="020B0503020000020004" pitchFamily="50" charset="-127"/>
+                <a:hlinkClick r:id="rId2"/>
+              </a:rPr>
+              <a:t>https://</a:t>
+            </a:r>
+            <a:r>
+              <a:rPr lang="en-US" altLang="ko-KR" dirty="0" smtClean="0">
+                <a:latin typeface="맑은 고딕" panose="020B0503020000020004" pitchFamily="50" charset="-127"/>
+                <a:ea typeface="맑은 고딕" panose="020B0503020000020004" pitchFamily="50" charset="-127"/>
+                <a:hlinkClick r:id="rId2"/>
+              </a:rPr>
+              <a:t>github.com/JooYeong-Lee/NotepadProject</a:t>
+            </a:r>
+            <a:r>
+              <a:rPr lang="en-US" altLang="ko-KR" dirty="0" smtClean="0">
+                <a:latin typeface="맑은 고딕" panose="020B0503020000020004" pitchFamily="50" charset="-127"/>
+                <a:ea typeface="맑은 고딕" panose="020B0503020000020004" pitchFamily="50" charset="-127"/>
+              </a:rPr>
+              <a:t> </a:t>
+            </a:r>
+          </a:p>
+        </p:txBody>
+      </p:sp>
     </p:spTree>
   </p:cSld>
   <p:clrMapOvr>
@@ -14844,227 +14939,6 @@
           </a:p>
         </p:txBody>
       </p:sp>
-      <p:sp>
-        <p:nvSpPr>
-          <p:cNvPr id="6148" name="Text Box 4">
-            <a:extLst>
-              <a:ext uri="{FF2B5EF4-FFF2-40B4-BE49-F238E27FC236}">
-                <a16:creationId xmlns:a16="http://schemas.microsoft.com/office/drawing/2014/main" id="{CB8EA833-BB2C-48E3-A933-CCB9464A2437}"/>
-              </a:ext>
-            </a:extLst>
-          </p:cNvPr>
-          <p:cNvSpPr txBox="1">
-            <a:spLocks noChangeArrowheads="1"/>
-          </p:cNvSpPr>
-          <p:nvPr/>
-        </p:nvSpPr>
-        <p:spPr bwMode="auto">
-          <a:xfrm>
-            <a:off x="1222375" y="5530706"/>
-            <a:ext cx="3488455" cy="292388"/>
-          </a:xfrm>
-          <a:prstGeom prst="rect">
-            <a:avLst/>
-          </a:prstGeom>
-          <a:noFill/>
-          <a:ln>
-            <a:noFill/>
-          </a:ln>
-          <a:extLst>
-            <a:ext uri="{909E8E84-426E-40DD-AFC4-6F175D3DCCD1}">
-              <a14:hiddenFill xmlns:a14="http://schemas.microsoft.com/office/drawing/2010/main">
-                <a:solidFill>
-                  <a:srgbClr val="FFFFFF"/>
-                </a:solidFill>
-              </a14:hiddenFill>
-            </a:ext>
-            <a:ext uri="{91240B29-F687-4F45-9708-019B960494DF}">
-              <a14:hiddenLine xmlns:a14="http://schemas.microsoft.com/office/drawing/2010/main" w="9525">
-                <a:solidFill>
-                  <a:srgbClr val="000000"/>
-                </a:solidFill>
-                <a:miter lim="800000"/>
-                <a:headEnd/>
-                <a:tailEnd/>
-              </a14:hiddenLine>
-            </a:ext>
-          </a:extLst>
-        </p:spPr>
-        <p:txBody>
-          <a:bodyPr wrap="none">
-            <a:spAutoFit/>
-          </a:bodyPr>
-          <a:lstStyle>
-            <a:lvl1pPr eaLnBrk="0" hangingPunct="0">
-              <a:spcBef>
-                <a:spcPct val="20000"/>
-              </a:spcBef>
-              <a:buClr>
-                <a:srgbClr val="FF0066"/>
-              </a:buClr>
-              <a:buFont typeface="Wingdings" panose="05000000000000000000" pitchFamily="2" charset="2"/>
-              <a:buChar char="q"/>
-              <a:defRPr kumimoji="1" sz="2400">
-                <a:solidFill>
-                  <a:schemeClr val="tx1"/>
-                </a:solidFill>
-                <a:latin typeface="Times New Roman" panose="02020603050405020304" pitchFamily="18" charset="0"/>
-                <a:ea typeface="굴림" panose="020B0600000101010101" pitchFamily="50" charset="-127"/>
-              </a:defRPr>
-            </a:lvl1pPr>
-            <a:lvl2pPr marL="742950" indent="-285750" eaLnBrk="0" hangingPunct="0">
-              <a:spcBef>
-                <a:spcPct val="20000"/>
-              </a:spcBef>
-              <a:buFont typeface="Wingdings" panose="05000000000000000000" pitchFamily="2" charset="2"/>
-              <a:buChar char=""/>
-              <a:defRPr kumimoji="1" sz="2000">
-                <a:solidFill>
-                  <a:schemeClr val="tx1"/>
-                </a:solidFill>
-                <a:latin typeface="Times New Roman" panose="02020603050405020304" pitchFamily="18" charset="0"/>
-                <a:ea typeface="굴림" panose="020B0600000101010101" pitchFamily="50" charset="-127"/>
-              </a:defRPr>
-            </a:lvl2pPr>
-            <a:lvl3pPr marL="1143000" indent="-228600" eaLnBrk="0" hangingPunct="0">
-              <a:spcBef>
-                <a:spcPct val="20000"/>
-              </a:spcBef>
-              <a:buFont typeface="Symbol" panose="05050102010706020507" pitchFamily="18" charset="2"/>
-              <a:buChar char="-"/>
-              <a:defRPr kumimoji="1" sz="2400">
-                <a:solidFill>
-                  <a:schemeClr val="tx1"/>
-                </a:solidFill>
-                <a:latin typeface="Times New Roman" panose="02020603050405020304" pitchFamily="18" charset="0"/>
-                <a:ea typeface="굴림" panose="020B0600000101010101" pitchFamily="50" charset="-127"/>
-              </a:defRPr>
-            </a:lvl3pPr>
-            <a:lvl4pPr marL="1600200" indent="-228600" eaLnBrk="0" hangingPunct="0">
-              <a:spcBef>
-                <a:spcPct val="20000"/>
-              </a:spcBef>
-              <a:buFont typeface="Wingdings" panose="05000000000000000000" pitchFamily="2" charset="2"/>
-              <a:buChar char="Ü"/>
-              <a:defRPr kumimoji="1" sz="1600">
-                <a:solidFill>
-                  <a:schemeClr val="tx1"/>
-                </a:solidFill>
-                <a:latin typeface="Times New Roman" panose="02020603050405020304" pitchFamily="18" charset="0"/>
-                <a:ea typeface="굴림" panose="020B0600000101010101" pitchFamily="50" charset="-127"/>
-              </a:defRPr>
-            </a:lvl4pPr>
-            <a:lvl5pPr marL="2057400" indent="-228600" eaLnBrk="0" hangingPunct="0">
-              <a:spcBef>
-                <a:spcPct val="20000"/>
-              </a:spcBef>
-              <a:buChar char="»"/>
-              <a:defRPr kumimoji="1" sz="1400">
-                <a:solidFill>
-                  <a:schemeClr val="tx1"/>
-                </a:solidFill>
-                <a:latin typeface="Times New Roman" panose="02020603050405020304" pitchFamily="18" charset="0"/>
-                <a:ea typeface="굴림" panose="020B0600000101010101" pitchFamily="50" charset="-127"/>
-              </a:defRPr>
-            </a:lvl5pPr>
-            <a:lvl6pPr marL="2514600" indent="-228600" eaLnBrk="0" fontAlgn="base" hangingPunct="0">
-              <a:spcBef>
-                <a:spcPct val="20000"/>
-              </a:spcBef>
-              <a:spcAft>
-                <a:spcPct val="0"/>
-              </a:spcAft>
-              <a:buChar char="»"/>
-              <a:defRPr kumimoji="1" sz="1400">
-                <a:solidFill>
-                  <a:schemeClr val="tx1"/>
-                </a:solidFill>
-                <a:latin typeface="Times New Roman" panose="02020603050405020304" pitchFamily="18" charset="0"/>
-                <a:ea typeface="굴림" panose="020B0600000101010101" pitchFamily="50" charset="-127"/>
-              </a:defRPr>
-            </a:lvl6pPr>
-            <a:lvl7pPr marL="2971800" indent="-228600" eaLnBrk="0" fontAlgn="base" hangingPunct="0">
-              <a:spcBef>
-                <a:spcPct val="20000"/>
-              </a:spcBef>
-              <a:spcAft>
-                <a:spcPct val="0"/>
-              </a:spcAft>
-              <a:buChar char="»"/>
-              <a:defRPr kumimoji="1" sz="1400">
-                <a:solidFill>
-                  <a:schemeClr val="tx1"/>
-                </a:solidFill>
-                <a:latin typeface="Times New Roman" panose="02020603050405020304" pitchFamily="18" charset="0"/>
-                <a:ea typeface="굴림" panose="020B0600000101010101" pitchFamily="50" charset="-127"/>
-              </a:defRPr>
-            </a:lvl7pPr>
-            <a:lvl8pPr marL="3429000" indent="-228600" eaLnBrk="0" fontAlgn="base" hangingPunct="0">
-              <a:spcBef>
-                <a:spcPct val="20000"/>
-              </a:spcBef>
-              <a:spcAft>
-                <a:spcPct val="0"/>
-              </a:spcAft>
-              <a:buChar char="»"/>
-              <a:defRPr kumimoji="1" sz="1400">
-                <a:solidFill>
-                  <a:schemeClr val="tx1"/>
-                </a:solidFill>
-                <a:latin typeface="Times New Roman" panose="02020603050405020304" pitchFamily="18" charset="0"/>
-                <a:ea typeface="굴림" panose="020B0600000101010101" pitchFamily="50" charset="-127"/>
-              </a:defRPr>
-            </a:lvl8pPr>
-            <a:lvl9pPr marL="3886200" indent="-228600" eaLnBrk="0" fontAlgn="base" hangingPunct="0">
-              <a:spcBef>
-                <a:spcPct val="20000"/>
-              </a:spcBef>
-              <a:spcAft>
-                <a:spcPct val="0"/>
-              </a:spcAft>
-              <a:buChar char="»"/>
-              <a:defRPr kumimoji="1" sz="1400">
-                <a:solidFill>
-                  <a:schemeClr val="tx1"/>
-                </a:solidFill>
-                <a:latin typeface="Times New Roman" panose="02020603050405020304" pitchFamily="18" charset="0"/>
-                <a:ea typeface="굴림" panose="020B0600000101010101" pitchFamily="50" charset="-127"/>
-              </a:defRPr>
-            </a:lvl9pPr>
-          </a:lstStyle>
-          <a:p>
-            <a:pPr eaLnBrk="1" hangingPunct="1">
-              <a:spcBef>
-                <a:spcPct val="0"/>
-              </a:spcBef>
-              <a:buClrTx/>
-              <a:buFontTx/>
-              <a:buNone/>
-            </a:pPr>
-            <a:r>
-              <a:rPr lang="en-US" altLang="ko-KR" sz="1300" dirty="0">
-                <a:latin typeface="맑은 고딕" panose="020B0503020000020004" pitchFamily="50" charset="-127"/>
-                <a:ea typeface="맑은 고딕" panose="020B0503020000020004" pitchFamily="50" charset="-127"/>
-              </a:rPr>
-              <a:t>(* </a:t>
-            </a:r>
-            <a:r>
-              <a:rPr lang="ko-KR" altLang="en-US" sz="1300" dirty="0">
-                <a:latin typeface="맑은 고딕" panose="020B0503020000020004" pitchFamily="50" charset="-127"/>
-                <a:ea typeface="맑은 고딕" panose="020B0503020000020004" pitchFamily="50" charset="-127"/>
-              </a:rPr>
-              <a:t>참고한 사이트나 프로그램이 있으면 기술</a:t>
-            </a:r>
-            <a:r>
-              <a:rPr lang="en-US" altLang="ko-KR" sz="1300" dirty="0">
-                <a:latin typeface="맑은 고딕" panose="020B0503020000020004" pitchFamily="50" charset="-127"/>
-                <a:ea typeface="맑은 고딕" panose="020B0503020000020004" pitchFamily="50" charset="-127"/>
-              </a:rPr>
-              <a:t>)</a:t>
-            </a:r>
-          </a:p>
-        </p:txBody>
-      </p:sp>
     </p:spTree>
   </p:cSld>
   <p:clrMapOvr>
@@ -15947,11 +15821,7 @@
             </a:r>
             <a:r>
               <a:rPr lang="ko-KR" altLang="en-US" b="1" dirty="0" smtClean="0"/>
-              <a:t>구성도 </a:t>
-            </a:r>
-            <a:r>
-              <a:rPr lang="ko-KR" altLang="en-US" b="1" dirty="0" smtClean="0"/>
-              <a:t>및 모듈</a:t>
+              <a:t>구성도 및 모듈</a:t>
             </a:r>
             <a:r>
               <a:rPr lang="ko-KR" altLang="en-US" dirty="0" smtClean="0"/>
